--- a/web application/spring_boot_presentation.pptx
+++ b/web application/spring_boot_presentation.pptx
@@ -220,7 +220,7 @@
           <a:p>
             <a:fld id="{FB8BDC05-BAB4-4166-82BF-F39CC28A71D3}" type="datetimeFigureOut">
               <a:rPr lang="en-US" smtClean="0"/>
-              <a:t>9/20/2025</a:t>
+              <a:t>9/23/2025</a:t>
             </a:fld>
             <a:endParaRPr lang="en-US"/>
           </a:p>
@@ -1506,7 +1506,7 @@
           <a:p>
             <a:fld id="{5BCAD085-E8A6-8845-BD4E-CB4CCA059FC4}" type="datetimeFigureOut">
               <a:rPr lang="en-US" smtClean="0"/>
-              <a:t>9/20/2025</a:t>
+              <a:t>9/23/2025</a:t>
             </a:fld>
             <a:endParaRPr lang="en-US"/>
           </a:p>
@@ -1674,7 +1674,7 @@
           <a:p>
             <a:fld id="{5BCAD085-E8A6-8845-BD4E-CB4CCA059FC4}" type="datetimeFigureOut">
               <a:rPr lang="en-US" smtClean="0"/>
-              <a:t>9/20/2025</a:t>
+              <a:t>9/23/2025</a:t>
             </a:fld>
             <a:endParaRPr lang="en-US"/>
           </a:p>
@@ -1852,7 +1852,7 @@
           <a:p>
             <a:fld id="{5BCAD085-E8A6-8845-BD4E-CB4CCA059FC4}" type="datetimeFigureOut">
               <a:rPr lang="en-US" smtClean="0"/>
-              <a:t>9/20/2025</a:t>
+              <a:t>9/23/2025</a:t>
             </a:fld>
             <a:endParaRPr lang="en-US"/>
           </a:p>
@@ -2020,7 +2020,7 @@
           <a:p>
             <a:fld id="{5BCAD085-E8A6-8845-BD4E-CB4CCA059FC4}" type="datetimeFigureOut">
               <a:rPr lang="en-US" smtClean="0"/>
-              <a:t>9/20/2025</a:t>
+              <a:t>9/23/2025</a:t>
             </a:fld>
             <a:endParaRPr lang="en-US"/>
           </a:p>
@@ -2265,7 +2265,7 @@
           <a:p>
             <a:fld id="{5BCAD085-E8A6-8845-BD4E-CB4CCA059FC4}" type="datetimeFigureOut">
               <a:rPr lang="en-US" smtClean="0"/>
-              <a:t>9/20/2025</a:t>
+              <a:t>9/23/2025</a:t>
             </a:fld>
             <a:endParaRPr lang="en-US"/>
           </a:p>
@@ -2550,7 +2550,7 @@
           <a:p>
             <a:fld id="{5BCAD085-E8A6-8845-BD4E-CB4CCA059FC4}" type="datetimeFigureOut">
               <a:rPr lang="en-US" smtClean="0"/>
-              <a:t>9/20/2025</a:t>
+              <a:t>9/23/2025</a:t>
             </a:fld>
             <a:endParaRPr lang="en-US"/>
           </a:p>
@@ -2969,7 +2969,7 @@
           <a:p>
             <a:fld id="{5BCAD085-E8A6-8845-BD4E-CB4CCA059FC4}" type="datetimeFigureOut">
               <a:rPr lang="en-US" smtClean="0"/>
-              <a:t>9/20/2025</a:t>
+              <a:t>9/23/2025</a:t>
             </a:fld>
             <a:endParaRPr lang="en-US"/>
           </a:p>
@@ -3086,7 +3086,7 @@
           <a:p>
             <a:fld id="{5BCAD085-E8A6-8845-BD4E-CB4CCA059FC4}" type="datetimeFigureOut">
               <a:rPr lang="en-US" smtClean="0"/>
-              <a:t>9/20/2025</a:t>
+              <a:t>9/23/2025</a:t>
             </a:fld>
             <a:endParaRPr lang="en-US"/>
           </a:p>
@@ -3181,7 +3181,7 @@
           <a:p>
             <a:fld id="{5BCAD085-E8A6-8845-BD4E-CB4CCA059FC4}" type="datetimeFigureOut">
               <a:rPr lang="en-US" smtClean="0"/>
-              <a:t>9/20/2025</a:t>
+              <a:t>9/23/2025</a:t>
             </a:fld>
             <a:endParaRPr lang="en-US"/>
           </a:p>
@@ -3456,7 +3456,7 @@
           <a:p>
             <a:fld id="{5BCAD085-E8A6-8845-BD4E-CB4CCA059FC4}" type="datetimeFigureOut">
               <a:rPr lang="en-US" smtClean="0"/>
-              <a:t>9/20/2025</a:t>
+              <a:t>9/23/2025</a:t>
             </a:fld>
             <a:endParaRPr lang="en-US"/>
           </a:p>
@@ -3708,7 +3708,7 @@
           <a:p>
             <a:fld id="{5BCAD085-E8A6-8845-BD4E-CB4CCA059FC4}" type="datetimeFigureOut">
               <a:rPr lang="en-US" smtClean="0"/>
-              <a:t>9/20/2025</a:t>
+              <a:t>9/23/2025</a:t>
             </a:fld>
             <a:endParaRPr lang="en-US"/>
           </a:p>
@@ -3919,7 +3919,7 @@
           <a:p>
             <a:fld id="{5BCAD085-E8A6-8845-BD4E-CB4CCA059FC4}" type="datetimeFigureOut">
               <a:rPr lang="en-US" smtClean="0"/>
-              <a:t>9/20/2025</a:t>
+              <a:t>9/23/2025</a:t>
             </a:fld>
             <a:endParaRPr lang="en-US"/>
           </a:p>
@@ -4338,9 +4338,16 @@
             <p:ph type="subTitle" idx="1"/>
           </p:nvPr>
         </p:nvSpPr>
-        <p:spPr/>
-        <p:txBody>
-          <a:bodyPr/>
+        <p:spPr>
+          <a:xfrm>
+            <a:off x="961464" y="3886200"/>
+            <a:ext cx="7221071" cy="1909482"/>
+          </a:xfrm>
+        </p:spPr>
+        <p:txBody>
+          <a:bodyPr>
+            <a:normAutofit fontScale="92500" lnSpcReduction="20000"/>
+          </a:bodyPr>
           <a:lstStyle/>
           <a:p>
             <a:r>
@@ -4355,7 +4362,14 @@
             </a:r>
           </a:p>
           <a:p>
-            <a:endParaRPr dirty="0"/>
+            <a:endParaRPr lang="ru-RU" dirty="0"/>
+          </a:p>
+          <a:p>
+            <a:r>
+              <a:rPr lang="ru-RU" sz="2600" dirty="0"/>
+              <a:t>Научный руководитель: к.ф.-м.н. С. С. Сысоев</a:t>
+            </a:r>
+            <a:endParaRPr sz="2600" dirty="0"/>
           </a:p>
         </p:txBody>
       </p:sp>

--- a/web application/spring_boot_presentation.pptx
+++ b/web application/spring_boot_presentation.pptx
@@ -220,7 +220,7 @@
           <a:p>
             <a:fld id="{FB8BDC05-BAB4-4166-82BF-F39CC28A71D3}" type="datetimeFigureOut">
               <a:rPr lang="en-US" smtClean="0"/>
-              <a:t>9/23/2025</a:t>
+              <a:t>9/26/2025</a:t>
             </a:fld>
             <a:endParaRPr lang="en-US"/>
           </a:p>
@@ -532,7 +532,40 @@
           <a:lstStyle/>
           <a:p>
             <a:r>
-              <a:t>Spring Boot появился для упрощения Java-разработки.</a:t>
+              <a:rPr dirty="0"/>
+              <a:t>Spring Boot </a:t>
+            </a:r>
+            <a:r>
+              <a:rPr dirty="0" err="1"/>
+              <a:t>появился</a:t>
+            </a:r>
+            <a:r>
+              <a:rPr dirty="0"/>
+              <a:t> </a:t>
+            </a:r>
+            <a:r>
+              <a:rPr dirty="0" err="1"/>
+              <a:t>для</a:t>
+            </a:r>
+            <a:r>
+              <a:rPr dirty="0"/>
+              <a:t> </a:t>
+            </a:r>
+            <a:r>
+              <a:rPr dirty="0" err="1"/>
+              <a:t>упрощения</a:t>
+            </a:r>
+            <a:r>
+              <a:rPr dirty="0"/>
+              <a:t> Java-</a:t>
+            </a:r>
+            <a:r>
+              <a:rPr dirty="0" err="1"/>
+              <a:t>разработки</a:t>
+            </a:r>
+            <a:r>
+              <a:rPr dirty="0"/>
+              <a:t>.</a:t>
             </a:r>
           </a:p>
         </p:txBody>
@@ -812,7 +845,56 @@
           <a:lstStyle/>
           <a:p>
             <a:r>
-              <a:t>Maven решает проблему зависимостей. В pom.xml мы описываем библиотеки.</a:t>
+              <a:rPr dirty="0"/>
+              <a:t>Maven </a:t>
+            </a:r>
+            <a:r>
+              <a:rPr dirty="0" err="1"/>
+              <a:t>решает</a:t>
+            </a:r>
+            <a:r>
+              <a:rPr dirty="0"/>
+              <a:t> </a:t>
+            </a:r>
+            <a:r>
+              <a:rPr dirty="0" err="1"/>
+              <a:t>проблему</a:t>
+            </a:r>
+            <a:r>
+              <a:rPr dirty="0"/>
+              <a:t> </a:t>
+            </a:r>
+            <a:r>
+              <a:rPr dirty="0" err="1"/>
+              <a:t>зависимостей</a:t>
+            </a:r>
+            <a:r>
+              <a:rPr dirty="0"/>
+              <a:t>. В pom.xml </a:t>
+            </a:r>
+            <a:r>
+              <a:rPr dirty="0" err="1"/>
+              <a:t>мы</a:t>
+            </a:r>
+            <a:r>
+              <a:rPr dirty="0"/>
+              <a:t> </a:t>
+            </a:r>
+            <a:r>
+              <a:rPr dirty="0" err="1"/>
+              <a:t>описываем</a:t>
+            </a:r>
+            <a:r>
+              <a:rPr dirty="0"/>
+              <a:t> </a:t>
+            </a:r>
+            <a:r>
+              <a:rPr dirty="0" err="1"/>
+              <a:t>библиотеки</a:t>
+            </a:r>
+            <a:r>
+              <a:rPr dirty="0"/>
+              <a:t>.</a:t>
             </a:r>
           </a:p>
         </p:txBody>
@@ -882,7 +964,36 @@
           <a:lstStyle/>
           <a:p>
             <a:r>
-              <a:t>Главные преимущества Spring Boot: минимальная конфигурация.</a:t>
+              <a:rPr dirty="0" err="1"/>
+              <a:t>Главные</a:t>
+            </a:r>
+            <a:r>
+              <a:rPr dirty="0"/>
+              <a:t> </a:t>
+            </a:r>
+            <a:r>
+              <a:rPr dirty="0" err="1"/>
+              <a:t>преимущества</a:t>
+            </a:r>
+            <a:r>
+              <a:rPr dirty="0"/>
+              <a:t> Spring Boot: </a:t>
+            </a:r>
+            <a:r>
+              <a:rPr dirty="0" err="1"/>
+              <a:t>минимальная</a:t>
+            </a:r>
+            <a:r>
+              <a:rPr dirty="0"/>
+              <a:t> </a:t>
+            </a:r>
+            <a:r>
+              <a:rPr dirty="0" err="1"/>
+              <a:t>конфигурация</a:t>
+            </a:r>
+            <a:r>
+              <a:rPr dirty="0"/>
+              <a:t>.</a:t>
             </a:r>
           </a:p>
         </p:txBody>
@@ -1506,7 +1617,7 @@
           <a:p>
             <a:fld id="{5BCAD085-E8A6-8845-BD4E-CB4CCA059FC4}" type="datetimeFigureOut">
               <a:rPr lang="en-US" smtClean="0"/>
-              <a:t>9/23/2025</a:t>
+              <a:t>9/26/2025</a:t>
             </a:fld>
             <a:endParaRPr lang="en-US"/>
           </a:p>
@@ -1674,7 +1785,7 @@
           <a:p>
             <a:fld id="{5BCAD085-E8A6-8845-BD4E-CB4CCA059FC4}" type="datetimeFigureOut">
               <a:rPr lang="en-US" smtClean="0"/>
-              <a:t>9/23/2025</a:t>
+              <a:t>9/26/2025</a:t>
             </a:fld>
             <a:endParaRPr lang="en-US"/>
           </a:p>
@@ -1852,7 +1963,7 @@
           <a:p>
             <a:fld id="{5BCAD085-E8A6-8845-BD4E-CB4CCA059FC4}" type="datetimeFigureOut">
               <a:rPr lang="en-US" smtClean="0"/>
-              <a:t>9/23/2025</a:t>
+              <a:t>9/26/2025</a:t>
             </a:fld>
             <a:endParaRPr lang="en-US"/>
           </a:p>
@@ -2020,7 +2131,7 @@
           <a:p>
             <a:fld id="{5BCAD085-E8A6-8845-BD4E-CB4CCA059FC4}" type="datetimeFigureOut">
               <a:rPr lang="en-US" smtClean="0"/>
-              <a:t>9/23/2025</a:t>
+              <a:t>9/26/2025</a:t>
             </a:fld>
             <a:endParaRPr lang="en-US"/>
           </a:p>
@@ -2265,7 +2376,7 @@
           <a:p>
             <a:fld id="{5BCAD085-E8A6-8845-BD4E-CB4CCA059FC4}" type="datetimeFigureOut">
               <a:rPr lang="en-US" smtClean="0"/>
-              <a:t>9/23/2025</a:t>
+              <a:t>9/26/2025</a:t>
             </a:fld>
             <a:endParaRPr lang="en-US"/>
           </a:p>
@@ -2550,7 +2661,7 @@
           <a:p>
             <a:fld id="{5BCAD085-E8A6-8845-BD4E-CB4CCA059FC4}" type="datetimeFigureOut">
               <a:rPr lang="en-US" smtClean="0"/>
-              <a:t>9/23/2025</a:t>
+              <a:t>9/26/2025</a:t>
             </a:fld>
             <a:endParaRPr lang="en-US"/>
           </a:p>
@@ -2969,7 +3080,7 @@
           <a:p>
             <a:fld id="{5BCAD085-E8A6-8845-BD4E-CB4CCA059FC4}" type="datetimeFigureOut">
               <a:rPr lang="en-US" smtClean="0"/>
-              <a:t>9/23/2025</a:t>
+              <a:t>9/26/2025</a:t>
             </a:fld>
             <a:endParaRPr lang="en-US"/>
           </a:p>
@@ -3086,7 +3197,7 @@
           <a:p>
             <a:fld id="{5BCAD085-E8A6-8845-BD4E-CB4CCA059FC4}" type="datetimeFigureOut">
               <a:rPr lang="en-US" smtClean="0"/>
-              <a:t>9/23/2025</a:t>
+              <a:t>9/26/2025</a:t>
             </a:fld>
             <a:endParaRPr lang="en-US"/>
           </a:p>
@@ -3181,7 +3292,7 @@
           <a:p>
             <a:fld id="{5BCAD085-E8A6-8845-BD4E-CB4CCA059FC4}" type="datetimeFigureOut">
               <a:rPr lang="en-US" smtClean="0"/>
-              <a:t>9/23/2025</a:t>
+              <a:t>9/26/2025</a:t>
             </a:fld>
             <a:endParaRPr lang="en-US"/>
           </a:p>
@@ -3456,7 +3567,7 @@
           <a:p>
             <a:fld id="{5BCAD085-E8A6-8845-BD4E-CB4CCA059FC4}" type="datetimeFigureOut">
               <a:rPr lang="en-US" smtClean="0"/>
-              <a:t>9/23/2025</a:t>
+              <a:t>9/26/2025</a:t>
             </a:fld>
             <a:endParaRPr lang="en-US"/>
           </a:p>
@@ -3708,7 +3819,7 @@
           <a:p>
             <a:fld id="{5BCAD085-E8A6-8845-BD4E-CB4CCA059FC4}" type="datetimeFigureOut">
               <a:rPr lang="en-US" smtClean="0"/>
-              <a:t>9/23/2025</a:t>
+              <a:t>9/26/2025</a:t>
             </a:fld>
             <a:endParaRPr lang="en-US"/>
           </a:p>
@@ -3919,7 +4030,7 @@
           <a:p>
             <a:fld id="{5BCAD085-E8A6-8845-BD4E-CB4CCA059FC4}" type="datetimeFigureOut">
               <a:rPr lang="en-US" smtClean="0"/>
-              <a:t>9/23/2025</a:t>
+              <a:t>9/26/2025</a:t>
             </a:fld>
             <a:endParaRPr lang="en-US"/>
           </a:p>
@@ -4744,8 +4855,10 @@
           <a:lstStyle/>
           <a:p>
             <a:r>
+              <a:rPr dirty="0" err="1"/>
               <a:t>Введение</a:t>
             </a:r>
+            <a:endParaRPr dirty="0"/>
           </a:p>
         </p:txBody>
       </p:sp>
@@ -4878,8 +4991,14 @@
           <a:lstStyle/>
           <a:p>
             <a:r>
-              <a:t>Maven и зависимости</a:t>
-            </a:r>
+              <a:rPr dirty="0"/>
+              <a:t>Maven и </a:t>
+            </a:r>
+            <a:r>
+              <a:rPr dirty="0" err="1"/>
+              <a:t>зависимости</a:t>
+            </a:r>
+            <a:endParaRPr dirty="0"/>
           </a:p>
         </p:txBody>
       </p:sp>
@@ -4898,20 +5017,49 @@
           <a:bodyPr/>
           <a:lstStyle/>
           <a:p>
-            <a:endParaRPr/>
-          </a:p>
-          <a:p>
-            <a:r>
-              <a:t>Maven → управление зависимостями</a:t>
-            </a:r>
-          </a:p>
-          <a:p>
-            <a:r>
-              <a:t>pom.xml → список библиотек</a:t>
-            </a:r>
-          </a:p>
-          <a:p>
-            <a:r>
+            <a:endParaRPr dirty="0"/>
+          </a:p>
+          <a:p>
+            <a:r>
+              <a:rPr dirty="0"/>
+              <a:t>Maven → </a:t>
+            </a:r>
+            <a:r>
+              <a:rPr dirty="0" err="1"/>
+              <a:t>управление</a:t>
+            </a:r>
+            <a:r>
+              <a:rPr dirty="0"/>
+              <a:t> </a:t>
+            </a:r>
+            <a:r>
+              <a:rPr dirty="0" err="1"/>
+              <a:t>зависимостями</a:t>
+            </a:r>
+            <a:endParaRPr dirty="0"/>
+          </a:p>
+          <a:p>
+            <a:r>
+              <a:rPr dirty="0"/>
+              <a:t>pom.xml → </a:t>
+            </a:r>
+            <a:r>
+              <a:rPr dirty="0" err="1"/>
+              <a:t>список</a:t>
+            </a:r>
+            <a:r>
+              <a:rPr dirty="0"/>
+              <a:t> </a:t>
+            </a:r>
+            <a:r>
+              <a:rPr dirty="0" err="1"/>
+              <a:t>библиотек</a:t>
+            </a:r>
+            <a:endParaRPr dirty="0"/>
+          </a:p>
+          <a:p>
+            <a:r>
+              <a:rPr dirty="0"/>
               <a:t>Spring Boot Starters</a:t>
             </a:r>
           </a:p>
@@ -4958,7 +5106,12 @@
           <a:lstStyle/>
           <a:p>
             <a:r>
-              <a:t>Особенности Spring Boot</a:t>
+              <a:rPr dirty="0" err="1"/>
+              <a:t>Особенности</a:t>
+            </a:r>
+            <a:r>
+              <a:rPr dirty="0"/>
+              <a:t> Spring Boot</a:t>
             </a:r>
           </a:p>
         </p:txBody>
